--- a/test.pptx
+++ b/test.pptx
@@ -3098,7 +3098,7 @@
         </p:nvGraphicFramePr>
         <p:xfrm>
           <a:off x="360000" y="360000"/>
-          <a:ext cx="7200000" cy="5400000"/>
+          <a:ext cx="8640000" cy="5400000"/>
         </p:xfrm>
         <a:graphic>
           <a:graphicData uri="http://schemas.openxmlformats.org/drawingml/2006/table">
@@ -3107,10 +3107,11 @@
                 <a:tableStyleId>{5940675A-B579-460E-94D1-54222C63F5DA}</a:tableStyleId>
               </a:tblPr>
               <a:tblGrid>
-                <a:gridCol w="1800000"/>
-                <a:gridCol w="1800000"/>
-                <a:gridCol w="1800000"/>
-                <a:gridCol w="1800000"/>
+                <a:gridCol w="1728000"/>
+                <a:gridCol w="1728000"/>
+                <a:gridCol w="1728000"/>
+                <a:gridCol w="1728000"/>
+                <a:gridCol w="1728000"/>
               </a:tblGrid>
               <a:tr h="771428">
                 <a:tc>
@@ -3118,92 +3119,60 @@
                     <a:bodyPr/>
                     <a:lstStyle/>
                     <a:p>
-                      <a:pPr>
-                        <a:defRPr>
-                          <a:solidFill>
-                            <a:srgbClr val="FFFFFF"/>
-                          </a:solidFill>
-                        </a:defRPr>
-                      </a:pPr>
                       <a:r>
-                        <a:t>ProjectID</a:t>
+                        <a:t>Project ID</a:t>
                       </a:r>
                     </a:p>
                   </a:txBody>
-                  <a:tcPr>
-                    <a:solidFill>
-                      <a:srgbClr val="002060"/>
-                    </a:solidFill>
-                  </a:tcPr>
+                  <a:tcPr/>
                 </a:tc>
                 <a:tc>
                   <a:txBody>
                     <a:bodyPr/>
                     <a:lstStyle/>
                     <a:p>
-                      <a:pPr>
-                        <a:defRPr>
-                          <a:solidFill>
-                            <a:srgbClr val="FFFFFF"/>
-                          </a:solidFill>
-                        </a:defRPr>
-                      </a:pPr>
                       <a:r>
-                        <a:t>Type</a:t>
+                        <a:t>インスタンスタイプ</a:t>
                       </a:r>
                     </a:p>
                   </a:txBody>
-                  <a:tcPr>
-                    <a:solidFill>
-                      <a:srgbClr val="002060"/>
-                    </a:solidFill>
-                  </a:tcPr>
+                  <a:tcPr/>
                 </a:tc>
                 <a:tc>
                   <a:txBody>
                     <a:bodyPr/>
                     <a:lstStyle/>
                     <a:p>
-                      <a:pPr>
-                        <a:defRPr>
-                          <a:solidFill>
-                            <a:srgbClr val="FFFFFF"/>
-                          </a:solidFill>
-                        </a:defRPr>
-                      </a:pPr>
                       <a:r>
                         <a:t>Price</a:t>
                       </a:r>
                     </a:p>
                   </a:txBody>
-                  <a:tcPr>
-                    <a:solidFill>
-                      <a:srgbClr val="002060"/>
-                    </a:solidFill>
-                  </a:tcPr>
+                  <a:tcPr/>
                 </a:tc>
                 <a:tc>
                   <a:txBody>
                     <a:bodyPr/>
                     <a:lstStyle/>
                     <a:p>
-                      <a:pPr>
-                        <a:defRPr>
-                          <a:solidFill>
-                            <a:srgbClr val="FFFFFF"/>
-                          </a:solidFill>
-                        </a:defRPr>
-                      </a:pPr>
                       <a:r>
-                        <a:t>Cost</a:t>
+                        <a:t>今月のコスト</a:t>
                       </a:r>
                     </a:p>
                   </a:txBody>
-                  <a:tcPr>
-                    <a:solidFill>
-                      <a:srgbClr val="002060"/>
-                    </a:solidFill>
-                  </a:tcPr>
+                  <a:tcPr/>
+                </a:tc>
+                <a:tc>
+                  <a:txBody>
+                    <a:bodyPr/>
+                    <a:lstStyle/>
+                    <a:p>
+                      <a:r>
+                        <a:t>先月のコスト</a:t>
+                      </a:r>
+                    </a:p>
+                  </a:txBody>
+                  <a:tcPr/>
                 </a:tc>
               </a:tr>
               <a:tr h="771428">
@@ -3255,6 +3224,18 @@
                   </a:txBody>
                   <a:tcPr/>
                 </a:tc>
+                <a:tc>
+                  <a:txBody>
+                    <a:bodyPr/>
+                    <a:lstStyle/>
+                    <a:p>
+                      <a:r>
+                        <a:t>3000</a:t>
+                      </a:r>
+                    </a:p>
+                  </a:txBody>
+                  <a:tcPr/>
+                </a:tc>
               </a:tr>
               <a:tr h="771428">
                 <a:tc>
@@ -3297,6 +3278,14 @@
                   </a:txBody>
                   <a:tcPr/>
                 </a:tc>
+                <a:tc>
+                  <a:txBody>
+                    <a:bodyPr/>
+                    <a:lstStyle/>
+                    <a:p/>
+                  </a:txBody>
+                  <a:tcPr/>
+                </a:tc>
               </a:tr>
               <a:tr h="771428">
                 <a:tc>
@@ -3328,6 +3317,14 @@
                         <a:t>1000</a:t>
                       </a:r>
                     </a:p>
+                  </a:txBody>
+                  <a:tcPr/>
+                </a:tc>
+                <a:tc>
+                  <a:txBody>
+                    <a:bodyPr/>
+                    <a:lstStyle/>
+                    <a:p/>
                   </a:txBody>
                   <a:tcPr/>
                 </a:tc>
@@ -3389,6 +3386,18 @@
                   </a:txBody>
                   <a:tcPr/>
                 </a:tc>
+                <a:tc>
+                  <a:txBody>
+                    <a:bodyPr/>
+                    <a:lstStyle/>
+                    <a:p>
+                      <a:r>
+                        <a:t>2000</a:t>
+                      </a:r>
+                    </a:p>
+                  </a:txBody>
+                  <a:tcPr/>
+                </a:tc>
               </a:tr>
               <a:tr h="771428">
                 <a:tc>
@@ -3410,6 +3419,18 @@
                     <a:p>
                       <a:r>
                         <a:t>C</a:t>
+                      </a:r>
+                    </a:p>
+                  </a:txBody>
+                  <a:tcPr/>
+                </a:tc>
+                <a:tc>
+                  <a:txBody>
+                    <a:bodyPr/>
+                    <a:lstStyle/>
+                    <a:p>
+                      <a:r>
+                        <a:t>1000</a:t>
                       </a:r>
                     </a:p>
                   </a:txBody>
@@ -3471,7 +3492,19 @@
                     <a:lstStyle/>
                     <a:p>
                       <a:r>
-                        <a:t>Total: 17000</a:t>
+                        <a:t>Total: 17000前月比: 2.83倍</a:t>
+                      </a:r>
+                    </a:p>
+                  </a:txBody>
+                  <a:tcPr/>
+                </a:tc>
+                <a:tc>
+                  <a:txBody>
+                    <a:bodyPr/>
+                    <a:lstStyle/>
+                    <a:p>
+                      <a:r>
+                        <a:t>Total: 6000</a:t>
                       </a:r>
                     </a:p>
                   </a:txBody>
